--- a/negotiation.pptx
+++ b/negotiation.pptx
@@ -9,6 +9,7 @@
     <p:sldId id="257" r:id="rId3"/>
     <p:sldId id="258" r:id="rId4"/>
     <p:sldId id="259" r:id="rId5"/>
+    <p:sldId id="260" r:id="rId6"/>
   </p:sldIdLst>
   <p:sldSz cx="12192000" cy="6858000"/>
   <p:notesSz cx="6858000" cy="9144000"/>
@@ -107,6 +108,11 @@
       </a:defRPr>
     </a:lvl9pPr>
   </p:defaultTextStyle>
+  <p:extLst>
+    <p:ext uri="{EFAFB233-063F-42B5-8137-9DF3F51BA10A}">
+      <p15:sldGuideLst xmlns:p15="http://schemas.microsoft.com/office/powerpoint/2012/main"/>
+    </p:ext>
+  </p:extLst>
 </p:presentation>
 </file>
 
@@ -259,7 +265,7 @@
           <a:p>
             <a:fld id="{3220E627-7874-4662-BF72-5FD8BEBEA1DC}" type="datetimeFigureOut">
               <a:rPr lang="en-US" smtClean="0"/>
-              <a:t>12/2/2024</a:t>
+              <a:t>12/3/2024</a:t>
             </a:fld>
             <a:endParaRPr lang="en-US"/>
           </a:p>
@@ -459,7 +465,7 @@
           <a:p>
             <a:fld id="{3220E627-7874-4662-BF72-5FD8BEBEA1DC}" type="datetimeFigureOut">
               <a:rPr lang="en-US" smtClean="0"/>
-              <a:t>12/2/2024</a:t>
+              <a:t>12/3/2024</a:t>
             </a:fld>
             <a:endParaRPr lang="en-US"/>
           </a:p>
@@ -669,7 +675,7 @@
           <a:p>
             <a:fld id="{3220E627-7874-4662-BF72-5FD8BEBEA1DC}" type="datetimeFigureOut">
               <a:rPr lang="en-US" smtClean="0"/>
-              <a:t>12/2/2024</a:t>
+              <a:t>12/3/2024</a:t>
             </a:fld>
             <a:endParaRPr lang="en-US"/>
           </a:p>
@@ -869,7 +875,7 @@
           <a:p>
             <a:fld id="{3220E627-7874-4662-BF72-5FD8BEBEA1DC}" type="datetimeFigureOut">
               <a:rPr lang="en-US" smtClean="0"/>
-              <a:t>12/2/2024</a:t>
+              <a:t>12/3/2024</a:t>
             </a:fld>
             <a:endParaRPr lang="en-US"/>
           </a:p>
@@ -1145,7 +1151,7 @@
           <a:p>
             <a:fld id="{3220E627-7874-4662-BF72-5FD8BEBEA1DC}" type="datetimeFigureOut">
               <a:rPr lang="en-US" smtClean="0"/>
-              <a:t>12/2/2024</a:t>
+              <a:t>12/3/2024</a:t>
             </a:fld>
             <a:endParaRPr lang="en-US"/>
           </a:p>
@@ -1413,7 +1419,7 @@
           <a:p>
             <a:fld id="{3220E627-7874-4662-BF72-5FD8BEBEA1DC}" type="datetimeFigureOut">
               <a:rPr lang="en-US" smtClean="0"/>
-              <a:t>12/2/2024</a:t>
+              <a:t>12/3/2024</a:t>
             </a:fld>
             <a:endParaRPr lang="en-US"/>
           </a:p>
@@ -1828,7 +1834,7 @@
           <a:p>
             <a:fld id="{3220E627-7874-4662-BF72-5FD8BEBEA1DC}" type="datetimeFigureOut">
               <a:rPr lang="en-US" smtClean="0"/>
-              <a:t>12/2/2024</a:t>
+              <a:t>12/3/2024</a:t>
             </a:fld>
             <a:endParaRPr lang="en-US"/>
           </a:p>
@@ -1970,7 +1976,7 @@
           <a:p>
             <a:fld id="{3220E627-7874-4662-BF72-5FD8BEBEA1DC}" type="datetimeFigureOut">
               <a:rPr lang="en-US" smtClean="0"/>
-              <a:t>12/2/2024</a:t>
+              <a:t>12/3/2024</a:t>
             </a:fld>
             <a:endParaRPr lang="en-US"/>
           </a:p>
@@ -2083,7 +2089,7 @@
           <a:p>
             <a:fld id="{3220E627-7874-4662-BF72-5FD8BEBEA1DC}" type="datetimeFigureOut">
               <a:rPr lang="en-US" smtClean="0"/>
-              <a:t>12/2/2024</a:t>
+              <a:t>12/3/2024</a:t>
             </a:fld>
             <a:endParaRPr lang="en-US"/>
           </a:p>
@@ -2396,7 +2402,7 @@
           <a:p>
             <a:fld id="{3220E627-7874-4662-BF72-5FD8BEBEA1DC}" type="datetimeFigureOut">
               <a:rPr lang="en-US" smtClean="0"/>
-              <a:t>12/2/2024</a:t>
+              <a:t>12/3/2024</a:t>
             </a:fld>
             <a:endParaRPr lang="en-US"/>
           </a:p>
@@ -2685,7 +2691,7 @@
           <a:p>
             <a:fld id="{3220E627-7874-4662-BF72-5FD8BEBEA1DC}" type="datetimeFigureOut">
               <a:rPr lang="en-US" smtClean="0"/>
-              <a:t>12/2/2024</a:t>
+              <a:t>12/3/2024</a:t>
             </a:fld>
             <a:endParaRPr lang="en-US"/>
           </a:p>
@@ -2928,7 +2934,7 @@
           <a:p>
             <a:fld id="{3220E627-7874-4662-BF72-5FD8BEBEA1DC}" type="datetimeFigureOut">
               <a:rPr lang="en-US" smtClean="0"/>
-              <a:t>12/2/2024</a:t>
+              <a:t>12/3/2024</a:t>
             </a:fld>
             <a:endParaRPr lang="en-US"/>
           </a:p>
@@ -7596,6 +7602,670 @@
 </p:sld>
 </file>
 
+<file path=ppt/slides/slide5.xml><?xml version="1.0" encoding="utf-8"?>
+<p:sld xmlns:a="http://schemas.openxmlformats.org/drawingml/2006/main" xmlns:r="http://schemas.openxmlformats.org/officeDocument/2006/relationships" xmlns:p="http://schemas.openxmlformats.org/presentationml/2006/main">
+  <p:cSld>
+    <p:spTree>
+      <p:nvGrpSpPr>
+        <p:cNvPr id="1" name="">
+          <a:extLst>
+            <a:ext uri="{FF2B5EF4-FFF2-40B4-BE49-F238E27FC236}">
+              <a16:creationId xmlns:a16="http://schemas.microsoft.com/office/drawing/2014/main" id="{663CCF17-64AC-77F5-E4BA-596E2C55584E}"/>
+            </a:ext>
+          </a:extLst>
+        </p:cNvPr>
+        <p:cNvGrpSpPr/>
+        <p:nvPr/>
+      </p:nvGrpSpPr>
+      <p:grpSpPr>
+        <a:xfrm>
+          <a:off x="0" y="0"/>
+          <a:ext cx="0" cy="0"/>
+          <a:chOff x="0" y="0"/>
+          <a:chExt cx="0" cy="0"/>
+        </a:xfrm>
+      </p:grpSpPr>
+      <p:sp>
+        <p:nvSpPr>
+          <p:cNvPr id="36" name="矩形 35">
+            <a:extLst>
+              <a:ext uri="{FF2B5EF4-FFF2-40B4-BE49-F238E27FC236}">
+                <a16:creationId xmlns:a16="http://schemas.microsoft.com/office/drawing/2014/main" id="{7047DBA6-5F88-F11A-7751-8108DCEA1E40}"/>
+              </a:ext>
+            </a:extLst>
+          </p:cNvPr>
+          <p:cNvSpPr/>
+          <p:nvPr/>
+        </p:nvSpPr>
+        <p:spPr>
+          <a:xfrm>
+            <a:off x="3112710" y="2147207"/>
+            <a:ext cx="675597" cy="3270187"/>
+          </a:xfrm>
+          <a:prstGeom prst="rect">
+            <a:avLst/>
+          </a:prstGeom>
+          <a:solidFill>
+            <a:schemeClr val="accent1">
+              <a:lumMod val="20000"/>
+              <a:lumOff val="80000"/>
+            </a:schemeClr>
+          </a:solidFill>
+          <a:ln>
+            <a:noFill/>
+          </a:ln>
+        </p:spPr>
+        <p:style>
+          <a:lnRef idx="2">
+            <a:schemeClr val="accent1">
+              <a:shade val="15000"/>
+            </a:schemeClr>
+          </a:lnRef>
+          <a:fillRef idx="1">
+            <a:schemeClr val="accent1"/>
+          </a:fillRef>
+          <a:effectRef idx="0">
+            <a:schemeClr val="accent1"/>
+          </a:effectRef>
+          <a:fontRef idx="minor">
+            <a:schemeClr val="lt1"/>
+          </a:fontRef>
+        </p:style>
+        <p:txBody>
+          <a:bodyPr rtlCol="0" anchor="ctr"/>
+          <a:lstStyle/>
+          <a:p>
+            <a:pPr algn="ctr"/>
+            <a:endParaRPr lang="zh-CN" altLang="en-US"/>
+          </a:p>
+        </p:txBody>
+      </p:sp>
+      <p:sp>
+        <p:nvSpPr>
+          <p:cNvPr id="2" name="文本框 1">
+            <a:extLst>
+              <a:ext uri="{FF2B5EF4-FFF2-40B4-BE49-F238E27FC236}">
+                <a16:creationId xmlns:a16="http://schemas.microsoft.com/office/drawing/2014/main" id="{7CA66CD1-B6C6-8238-C446-8CEABBFEEF63}"/>
+              </a:ext>
+            </a:extLst>
+          </p:cNvPr>
+          <p:cNvSpPr txBox="1">
+            <a:spLocks noGrp="1" noRot="1" noMove="1" noResize="1" noEditPoints="1" noAdjustHandles="1" noChangeArrowheads="1" noChangeShapeType="1"/>
+          </p:cNvSpPr>
+          <p:nvPr/>
+        </p:nvSpPr>
+        <p:spPr>
+          <a:xfrm>
+            <a:off x="-1195009" y="209837"/>
+            <a:ext cx="4983316" cy="523220"/>
+          </a:xfrm>
+          <a:prstGeom prst="rect">
+            <a:avLst/>
+          </a:prstGeom>
+          <a:noFill/>
+        </p:spPr>
+        <p:txBody>
+          <a:bodyPr wrap="square" rtlCol="0">
+            <a:spAutoFit/>
+          </a:bodyPr>
+          <a:lstStyle/>
+          <a:p>
+            <a:pPr algn="ctr"/>
+            <a:r>
+              <a:rPr lang="zh-CN" altLang="en-US" sz="2800" dirty="0"/>
+              <a:t>和</a:t>
+            </a:r>
+            <a:r>
+              <a:rPr lang="en-US" altLang="zh-CN" sz="2800" dirty="0"/>
+              <a:t>python</a:t>
+            </a:r>
+            <a:r>
+              <a:rPr lang="zh-CN" altLang="en-US" sz="2800" dirty="0"/>
+              <a:t>交互</a:t>
+            </a:r>
+            <a:endParaRPr lang="en-US" sz="2800" dirty="0"/>
+          </a:p>
+        </p:txBody>
+      </p:sp>
+      <p:sp>
+        <p:nvSpPr>
+          <p:cNvPr id="16" name="矩形 15">
+            <a:extLst>
+              <a:ext uri="{FF2B5EF4-FFF2-40B4-BE49-F238E27FC236}">
+                <a16:creationId xmlns:a16="http://schemas.microsoft.com/office/drawing/2014/main" id="{AB9FFAE7-58E3-27E5-F067-D2C7E5730BB5}"/>
+              </a:ext>
+            </a:extLst>
+          </p:cNvPr>
+          <p:cNvSpPr/>
+          <p:nvPr/>
+        </p:nvSpPr>
+        <p:spPr>
+          <a:xfrm>
+            <a:off x="1632857" y="1338944"/>
+            <a:ext cx="1314450" cy="4678135"/>
+          </a:xfrm>
+          <a:prstGeom prst="rect">
+            <a:avLst/>
+          </a:prstGeom>
+        </p:spPr>
+        <p:style>
+          <a:lnRef idx="2">
+            <a:schemeClr val="accent1">
+              <a:shade val="15000"/>
+            </a:schemeClr>
+          </a:lnRef>
+          <a:fillRef idx="1">
+            <a:schemeClr val="accent1"/>
+          </a:fillRef>
+          <a:effectRef idx="0">
+            <a:schemeClr val="accent1"/>
+          </a:effectRef>
+          <a:fontRef idx="minor">
+            <a:schemeClr val="lt1"/>
+          </a:fontRef>
+        </p:style>
+        <p:txBody>
+          <a:bodyPr rtlCol="0" anchor="ctr"/>
+          <a:lstStyle/>
+          <a:p>
+            <a:pPr algn="ctr"/>
+            <a:r>
+              <a:rPr lang="en-US" altLang="zh-CN" dirty="0" err="1"/>
+              <a:t>vue</a:t>
+            </a:r>
+            <a:endParaRPr lang="zh-CN" altLang="en-US" dirty="0"/>
+          </a:p>
+        </p:txBody>
+      </p:sp>
+      <p:sp>
+        <p:nvSpPr>
+          <p:cNvPr id="18" name="矩形 17">
+            <a:extLst>
+              <a:ext uri="{FF2B5EF4-FFF2-40B4-BE49-F238E27FC236}">
+                <a16:creationId xmlns:a16="http://schemas.microsoft.com/office/drawing/2014/main" id="{6B3668C6-B751-63D8-A6D2-32C7724D26E9}"/>
+              </a:ext>
+            </a:extLst>
+          </p:cNvPr>
+          <p:cNvSpPr/>
+          <p:nvPr/>
+        </p:nvSpPr>
+        <p:spPr>
+          <a:xfrm>
+            <a:off x="9435193" y="1338944"/>
+            <a:ext cx="1314450" cy="4678135"/>
+          </a:xfrm>
+          <a:prstGeom prst="rect">
+            <a:avLst/>
+          </a:prstGeom>
+        </p:spPr>
+        <p:style>
+          <a:lnRef idx="2">
+            <a:schemeClr val="accent1">
+              <a:shade val="15000"/>
+            </a:schemeClr>
+          </a:lnRef>
+          <a:fillRef idx="1">
+            <a:schemeClr val="accent1"/>
+          </a:fillRef>
+          <a:effectRef idx="0">
+            <a:schemeClr val="accent1"/>
+          </a:effectRef>
+          <a:fontRef idx="minor">
+            <a:schemeClr val="lt1"/>
+          </a:fontRef>
+        </p:style>
+        <p:txBody>
+          <a:bodyPr rtlCol="0" anchor="ctr"/>
+          <a:lstStyle/>
+          <a:p>
+            <a:pPr algn="ctr"/>
+            <a:r>
+              <a:rPr lang="en-US" altLang="zh-CN" dirty="0"/>
+              <a:t>python</a:t>
+            </a:r>
+          </a:p>
+          <a:p>
+            <a:pPr algn="ctr"/>
+            <a:r>
+              <a:rPr lang="zh-CN" altLang="en-US" dirty="0"/>
+              <a:t>后台运行</a:t>
+            </a:r>
+          </a:p>
+        </p:txBody>
+      </p:sp>
+      <p:cxnSp>
+        <p:nvCxnSpPr>
+          <p:cNvPr id="26" name="直接箭头连接符 25">
+            <a:extLst>
+              <a:ext uri="{FF2B5EF4-FFF2-40B4-BE49-F238E27FC236}">
+                <a16:creationId xmlns:a16="http://schemas.microsoft.com/office/drawing/2014/main" id="{AEF66E28-10CD-E965-A8F2-EDE301E60D7C}"/>
+              </a:ext>
+            </a:extLst>
+          </p:cNvPr>
+          <p:cNvCxnSpPr>
+            <a:cxnSpLocks/>
+            <a:stCxn id="33" idx="3"/>
+          </p:cNvCxnSpPr>
+          <p:nvPr/>
+        </p:nvCxnSpPr>
+        <p:spPr>
+          <a:xfrm>
+            <a:off x="4212463" y="1836964"/>
+            <a:ext cx="3657908" cy="1118507"/>
+          </a:xfrm>
+          <a:prstGeom prst="straightConnector1">
+            <a:avLst/>
+          </a:prstGeom>
+          <a:ln>
+            <a:tailEnd type="triangle"/>
+          </a:ln>
+        </p:spPr>
+        <p:style>
+          <a:lnRef idx="2">
+            <a:schemeClr val="accent1"/>
+          </a:lnRef>
+          <a:fillRef idx="0">
+            <a:schemeClr val="accent1"/>
+          </a:fillRef>
+          <a:effectRef idx="1">
+            <a:schemeClr val="accent1"/>
+          </a:effectRef>
+          <a:fontRef idx="minor">
+            <a:schemeClr val="tx1"/>
+          </a:fontRef>
+        </p:style>
+      </p:cxnSp>
+      <p:cxnSp>
+        <p:nvCxnSpPr>
+          <p:cNvPr id="28" name="直接箭头连接符 27">
+            <a:extLst>
+              <a:ext uri="{FF2B5EF4-FFF2-40B4-BE49-F238E27FC236}">
+                <a16:creationId xmlns:a16="http://schemas.microsoft.com/office/drawing/2014/main" id="{4FEA591D-E4E9-CC84-F47E-B56EF46E70C2}"/>
+              </a:ext>
+            </a:extLst>
+          </p:cNvPr>
+          <p:cNvCxnSpPr/>
+          <p:nvPr/>
+        </p:nvCxnSpPr>
+        <p:spPr>
+          <a:xfrm>
+            <a:off x="747708" y="1281793"/>
+            <a:ext cx="0" cy="4972050"/>
+          </a:xfrm>
+          <a:prstGeom prst="straightConnector1">
+            <a:avLst/>
+          </a:prstGeom>
+          <a:ln>
+            <a:tailEnd type="triangle"/>
+          </a:ln>
+        </p:spPr>
+        <p:style>
+          <a:lnRef idx="2">
+            <a:schemeClr val="accent1"/>
+          </a:lnRef>
+          <a:fillRef idx="0">
+            <a:schemeClr val="accent1"/>
+          </a:fillRef>
+          <a:effectRef idx="1">
+            <a:schemeClr val="accent1"/>
+          </a:effectRef>
+          <a:fontRef idx="minor">
+            <a:schemeClr val="tx1"/>
+          </a:fontRef>
+        </p:style>
+      </p:cxnSp>
+      <p:sp>
+        <p:nvSpPr>
+          <p:cNvPr id="29" name="文本框 28">
+            <a:extLst>
+              <a:ext uri="{FF2B5EF4-FFF2-40B4-BE49-F238E27FC236}">
+                <a16:creationId xmlns:a16="http://schemas.microsoft.com/office/drawing/2014/main" id="{79DD8B06-FD7A-F90A-D5E3-A6C6D7A78056}"/>
+              </a:ext>
+            </a:extLst>
+          </p:cNvPr>
+          <p:cNvSpPr txBox="1"/>
+          <p:nvPr/>
+        </p:nvSpPr>
+        <p:spPr>
+          <a:xfrm>
+            <a:off x="424542" y="6253843"/>
+            <a:ext cx="646331" cy="369332"/>
+          </a:xfrm>
+          <a:prstGeom prst="rect">
+            <a:avLst/>
+          </a:prstGeom>
+          <a:noFill/>
+        </p:spPr>
+        <p:txBody>
+          <a:bodyPr wrap="none" rtlCol="0">
+            <a:spAutoFit/>
+          </a:bodyPr>
+          <a:lstStyle/>
+          <a:p>
+            <a:r>
+              <a:rPr lang="zh-CN" altLang="en-US" dirty="0"/>
+              <a:t>时间</a:t>
+            </a:r>
+          </a:p>
+        </p:txBody>
+      </p:sp>
+      <p:sp>
+        <p:nvSpPr>
+          <p:cNvPr id="30" name="文本框 29">
+            <a:extLst>
+              <a:ext uri="{FF2B5EF4-FFF2-40B4-BE49-F238E27FC236}">
+                <a16:creationId xmlns:a16="http://schemas.microsoft.com/office/drawing/2014/main" id="{6C15754A-33D3-A5C8-F25D-E50063AA80F6}"/>
+              </a:ext>
+            </a:extLst>
+          </p:cNvPr>
+          <p:cNvSpPr txBox="1"/>
+          <p:nvPr/>
+        </p:nvSpPr>
+        <p:spPr>
+          <a:xfrm>
+            <a:off x="4963886" y="1338944"/>
+            <a:ext cx="2114549" cy="1200329"/>
+          </a:xfrm>
+          <a:prstGeom prst="rect">
+            <a:avLst/>
+          </a:prstGeom>
+          <a:noFill/>
+        </p:spPr>
+        <p:txBody>
+          <a:bodyPr wrap="square" rtlCol="0">
+            <a:spAutoFit/>
+          </a:bodyPr>
+          <a:lstStyle/>
+          <a:p>
+            <a:r>
+              <a:rPr lang="en-US" altLang="zh-CN" dirty="0"/>
+              <a:t>{</a:t>
+            </a:r>
+          </a:p>
+          <a:p>
+            <a:r>
+              <a:rPr lang="en-US" altLang="zh-CN" dirty="0"/>
+              <a:t>    code: 1,</a:t>
+            </a:r>
+          </a:p>
+          <a:p>
+            <a:r>
+              <a:rPr lang="en-US" altLang="zh-CN" dirty="0"/>
+              <a:t>    content:…</a:t>
+            </a:r>
+          </a:p>
+          <a:p>
+            <a:r>
+              <a:rPr lang="en-US" altLang="zh-CN" dirty="0"/>
+              <a:t>}</a:t>
+            </a:r>
+            <a:endParaRPr lang="zh-CN" altLang="en-US" dirty="0"/>
+          </a:p>
+        </p:txBody>
+      </p:sp>
+      <p:sp>
+        <p:nvSpPr>
+          <p:cNvPr id="33" name="文本框 32">
+            <a:extLst>
+              <a:ext uri="{FF2B5EF4-FFF2-40B4-BE49-F238E27FC236}">
+                <a16:creationId xmlns:a16="http://schemas.microsoft.com/office/drawing/2014/main" id="{18AB9573-0DEA-2C63-D2BA-4555AF6AF979}"/>
+              </a:ext>
+            </a:extLst>
+          </p:cNvPr>
+          <p:cNvSpPr txBox="1"/>
+          <p:nvPr/>
+        </p:nvSpPr>
+        <p:spPr>
+          <a:xfrm>
+            <a:off x="3104467" y="1652298"/>
+            <a:ext cx="1107996" cy="369332"/>
+          </a:xfrm>
+          <a:prstGeom prst="rect">
+            <a:avLst/>
+          </a:prstGeom>
+          <a:noFill/>
+        </p:spPr>
+        <p:txBody>
+          <a:bodyPr wrap="none" rtlCol="0">
+            <a:spAutoFit/>
+          </a:bodyPr>
+          <a:lstStyle/>
+          <a:p>
+            <a:r>
+              <a:rPr lang="zh-CN" altLang="en-US" dirty="0"/>
+              <a:t>发出请求</a:t>
+            </a:r>
+          </a:p>
+        </p:txBody>
+      </p:sp>
+      <p:sp>
+        <p:nvSpPr>
+          <p:cNvPr id="34" name="文本框 33">
+            <a:extLst>
+              <a:ext uri="{FF2B5EF4-FFF2-40B4-BE49-F238E27FC236}">
+                <a16:creationId xmlns:a16="http://schemas.microsoft.com/office/drawing/2014/main" id="{39EA4243-0335-FA44-64A2-E1768FC1DF7A}"/>
+              </a:ext>
+            </a:extLst>
+          </p:cNvPr>
+          <p:cNvSpPr txBox="1"/>
+          <p:nvPr/>
+        </p:nvSpPr>
+        <p:spPr>
+          <a:xfrm>
+            <a:off x="3141976" y="3583152"/>
+            <a:ext cx="646331" cy="369332"/>
+          </a:xfrm>
+          <a:prstGeom prst="rect">
+            <a:avLst/>
+          </a:prstGeom>
+          <a:noFill/>
+        </p:spPr>
+        <p:txBody>
+          <a:bodyPr wrap="none" rtlCol="0">
+            <a:spAutoFit/>
+          </a:bodyPr>
+          <a:lstStyle/>
+          <a:p>
+            <a:r>
+              <a:rPr lang="zh-CN" altLang="en-US" dirty="0"/>
+              <a:t>阻塞</a:t>
+            </a:r>
+          </a:p>
+        </p:txBody>
+      </p:sp>
+      <p:sp>
+        <p:nvSpPr>
+          <p:cNvPr id="35" name="文本框 34">
+            <a:extLst>
+              <a:ext uri="{FF2B5EF4-FFF2-40B4-BE49-F238E27FC236}">
+                <a16:creationId xmlns:a16="http://schemas.microsoft.com/office/drawing/2014/main" id="{0B64F6F2-BD66-B356-C0E2-6F0ACE8D1381}"/>
+              </a:ext>
+            </a:extLst>
+          </p:cNvPr>
+          <p:cNvSpPr txBox="1"/>
+          <p:nvPr/>
+        </p:nvSpPr>
+        <p:spPr>
+          <a:xfrm>
+            <a:off x="3112710" y="5417394"/>
+            <a:ext cx="646331" cy="369332"/>
+          </a:xfrm>
+          <a:prstGeom prst="rect">
+            <a:avLst/>
+          </a:prstGeom>
+          <a:noFill/>
+        </p:spPr>
+        <p:txBody>
+          <a:bodyPr wrap="none" rtlCol="0">
+            <a:spAutoFit/>
+          </a:bodyPr>
+          <a:lstStyle/>
+          <a:p>
+            <a:r>
+              <a:rPr lang="zh-CN" altLang="en-US" dirty="0"/>
+              <a:t>接收</a:t>
+            </a:r>
+          </a:p>
+        </p:txBody>
+      </p:sp>
+      <p:sp>
+        <p:nvSpPr>
+          <p:cNvPr id="38" name="文本框 37">
+            <a:extLst>
+              <a:ext uri="{FF2B5EF4-FFF2-40B4-BE49-F238E27FC236}">
+                <a16:creationId xmlns:a16="http://schemas.microsoft.com/office/drawing/2014/main" id="{ECAA0BFA-BDFA-BBDA-907C-D5AB703866E9}"/>
+              </a:ext>
+            </a:extLst>
+          </p:cNvPr>
+          <p:cNvSpPr txBox="1"/>
+          <p:nvPr/>
+        </p:nvSpPr>
+        <p:spPr>
+          <a:xfrm>
+            <a:off x="7235595" y="2955471"/>
+            <a:ext cx="2262158" cy="646331"/>
+          </a:xfrm>
+          <a:prstGeom prst="rect">
+            <a:avLst/>
+          </a:prstGeom>
+          <a:noFill/>
+        </p:spPr>
+        <p:txBody>
+          <a:bodyPr wrap="none" rtlCol="0">
+            <a:spAutoFit/>
+          </a:bodyPr>
+          <a:lstStyle/>
+          <a:p>
+            <a:r>
+              <a:rPr lang="zh-CN" altLang="en-US" dirty="0"/>
+              <a:t>根据</a:t>
+            </a:r>
+            <a:r>
+              <a:rPr lang="en-US" altLang="zh-CN" dirty="0"/>
+              <a:t>code</a:t>
+            </a:r>
+            <a:r>
+              <a:rPr lang="zh-CN" altLang="en-US" dirty="0"/>
+              <a:t>决定</a:t>
+            </a:r>
+            <a:endParaRPr lang="en-US" altLang="zh-CN" dirty="0"/>
+          </a:p>
+          <a:p>
+            <a:r>
+              <a:rPr lang="zh-CN" altLang="en-US" dirty="0"/>
+              <a:t>对数据进行何种处理</a:t>
+            </a:r>
+          </a:p>
+        </p:txBody>
+      </p:sp>
+      <p:cxnSp>
+        <p:nvCxnSpPr>
+          <p:cNvPr id="39" name="直接箭头连接符 38">
+            <a:extLst>
+              <a:ext uri="{FF2B5EF4-FFF2-40B4-BE49-F238E27FC236}">
+                <a16:creationId xmlns:a16="http://schemas.microsoft.com/office/drawing/2014/main" id="{70B63F91-6F9E-92A1-5C06-0185D20C1272}"/>
+              </a:ext>
+            </a:extLst>
+          </p:cNvPr>
+          <p:cNvCxnSpPr>
+            <a:cxnSpLocks/>
+          </p:cNvCxnSpPr>
+          <p:nvPr/>
+        </p:nvCxnSpPr>
+        <p:spPr>
+          <a:xfrm flipH="1">
+            <a:off x="3953710" y="3657780"/>
+            <a:ext cx="3916661" cy="1944280"/>
+          </a:xfrm>
+          <a:prstGeom prst="straightConnector1">
+            <a:avLst/>
+          </a:prstGeom>
+          <a:ln>
+            <a:tailEnd type="triangle"/>
+          </a:ln>
+        </p:spPr>
+        <p:style>
+          <a:lnRef idx="2">
+            <a:schemeClr val="accent1"/>
+          </a:lnRef>
+          <a:fillRef idx="0">
+            <a:schemeClr val="accent1"/>
+          </a:fillRef>
+          <a:effectRef idx="1">
+            <a:schemeClr val="accent1"/>
+          </a:effectRef>
+          <a:fontRef idx="minor">
+            <a:schemeClr val="tx1"/>
+          </a:fontRef>
+        </p:style>
+      </p:cxnSp>
+      <p:sp>
+        <p:nvSpPr>
+          <p:cNvPr id="42" name="文本框 41">
+            <a:extLst>
+              <a:ext uri="{FF2B5EF4-FFF2-40B4-BE49-F238E27FC236}">
+                <a16:creationId xmlns:a16="http://schemas.microsoft.com/office/drawing/2014/main" id="{A48DFC42-18C2-B212-2CA4-3EAA335B7771}"/>
+              </a:ext>
+            </a:extLst>
+          </p:cNvPr>
+          <p:cNvSpPr txBox="1"/>
+          <p:nvPr/>
+        </p:nvSpPr>
+        <p:spPr>
+          <a:xfrm>
+            <a:off x="5480959" y="4297479"/>
+            <a:ext cx="2114549" cy="1200329"/>
+          </a:xfrm>
+          <a:prstGeom prst="rect">
+            <a:avLst/>
+          </a:prstGeom>
+          <a:noFill/>
+        </p:spPr>
+        <p:txBody>
+          <a:bodyPr wrap="square" rtlCol="0">
+            <a:spAutoFit/>
+          </a:bodyPr>
+          <a:lstStyle/>
+          <a:p>
+            <a:r>
+              <a:rPr lang="en-US" altLang="zh-CN" dirty="0"/>
+              <a:t>{</a:t>
+            </a:r>
+          </a:p>
+          <a:p>
+            <a:r>
+              <a:rPr lang="en-US" altLang="zh-CN" dirty="0"/>
+              <a:t>    code: xxx,</a:t>
+            </a:r>
+          </a:p>
+          <a:p>
+            <a:r>
+              <a:rPr lang="en-US" altLang="zh-CN" dirty="0"/>
+              <a:t>    content:…</a:t>
+            </a:r>
+          </a:p>
+          <a:p>
+            <a:r>
+              <a:rPr lang="en-US" altLang="zh-CN" dirty="0"/>
+              <a:t>}</a:t>
+            </a:r>
+            <a:endParaRPr lang="zh-CN" altLang="en-US" dirty="0"/>
+          </a:p>
+        </p:txBody>
+      </p:sp>
+    </p:spTree>
+    <p:extLst>
+      <p:ext uri="{BB962C8B-B14F-4D97-AF65-F5344CB8AC3E}">
+        <p14:creationId xmlns:p14="http://schemas.microsoft.com/office/powerpoint/2010/main" val="811386446"/>
+      </p:ext>
+    </p:extLst>
+  </p:cSld>
+  <p:clrMapOvr>
+    <a:masterClrMapping/>
+  </p:clrMapOvr>
+</p:sld>
+</file>
+
 <file path=ppt/theme/theme1.xml><?xml version="1.0" encoding="utf-8"?>
 <a:theme xmlns:a="http://schemas.openxmlformats.org/drawingml/2006/main" name="Office 主题​​">
   <a:themeElements>
